--- a/Presentation.pptx
+++ b/Presentation.pptx
@@ -10,6 +10,10 @@
     <p:sldId id="258" r:id="rId4"/>
     <p:sldId id="259" r:id="rId5"/>
     <p:sldId id="260" r:id="rId6"/>
+    <p:sldId id="261" r:id="rId7"/>
+    <p:sldId id="262" r:id="rId8"/>
+    <p:sldId id="263" r:id="rId9"/>
+    <p:sldId id="264" r:id="rId10"/>
   </p:sldIdLst>
   <p:sldSz cx="9144000" cy="6858000" type="screen4x3"/>
   <p:notesSz cx="6858000" cy="9144000"/>
@@ -3140,7 +3144,79 @@
             </a:pPr>
             <a:r>
               <a:rPr/>
-              <a:t>Presentation</a:t>
+              <a:t>Frozen</a:t>
+            </a:r>
+            <a:r>
+              <a:rPr/>
+              <a:t> </a:t>
+            </a:r>
+            <a:r>
+              <a:rPr/>
+              <a:t>In</a:t>
+            </a:r>
+            <a:r>
+              <a:rPr/>
+              <a:t> </a:t>
+            </a:r>
+            <a:r>
+              <a:rPr/>
+              <a:t>Line:</a:t>
+            </a:r>
+            <a:r>
+              <a:rPr/>
+              <a:t> </a:t>
+            </a:r>
+            <a:r>
+              <a:rPr/>
+              <a:t>An</a:t>
+            </a:r>
+            <a:r>
+              <a:rPr/>
+              <a:t> </a:t>
+            </a:r>
+            <a:r>
+              <a:rPr/>
+              <a:t>Analysis</a:t>
+            </a:r>
+            <a:r>
+              <a:rPr/>
+              <a:t> </a:t>
+            </a:r>
+            <a:r>
+              <a:rPr/>
+              <a:t>of</a:t>
+            </a:r>
+            <a:r>
+              <a:rPr/>
+              <a:t> </a:t>
+            </a:r>
+            <a:r>
+              <a:rPr/>
+              <a:t>Amusement</a:t>
+            </a:r>
+            <a:r>
+              <a:rPr/>
+              <a:t> </a:t>
+            </a:r>
+            <a:r>
+              <a:rPr/>
+              <a:t>Park</a:t>
+            </a:r>
+            <a:r>
+              <a:rPr/>
+              <a:t> </a:t>
+            </a:r>
+            <a:r>
+              <a:rPr/>
+              <a:t>Wait</a:t>
+            </a:r>
+            <a:r>
+              <a:rPr/>
+              <a:t> </a:t>
+            </a:r>
+            <a:r>
+              <a:rPr/>
+              <a:t>Times</a:t>
             </a:r>
           </a:p>
         </p:txBody>
@@ -3267,15 +3343,7 @@
             </a:pPr>
             <a:r>
               <a:rPr/>
-              <a:t>R</a:t>
-            </a:r>
-            <a:r>
-              <a:rPr/>
-              <a:t> </a:t>
-            </a:r>
-            <a:r>
-              <a:rPr/>
-              <a:t>Markdown</a:t>
+              <a:t>Introduction</a:t>
             </a:r>
           </a:p>
         </p:txBody>
@@ -3295,39 +3363,80 @@
           <a:bodyPr/>
           <a:lstStyle/>
           <a:p>
-            <a:pPr lvl="0" marL="0" indent="0">
-              <a:buNone/>
-            </a:pPr>
-            <a:r>
-              <a:rPr/>
-              <a:t>This is an R Markdown presentation. Markdown is a simple formatting syntax for authoring HTML, PDF, and MS Word documents. For more details on using R Markdown see </a:t>
-            </a:r>
-            <a:r>
-              <a:rPr>
-                <a:hlinkClick r:id="rId2"/>
-              </a:rPr>
-              <a:t>http://rmarkdown.rstudio.com</a:t>
-            </a:r>
-            <a:r>
-              <a:rPr/>
-              <a:t>.</a:t>
-            </a:r>
-          </a:p>
-          <a:p>
-            <a:pPr lvl="0" marL="0" indent="0">
-              <a:buNone/>
-            </a:pPr>
-            <a:r>
-              <a:rPr/>
-              <a:t>When you click the </a:t>
-            </a:r>
-            <a:r>
-              <a:rPr b="1"/>
-              <a:t>Knit</a:t>
-            </a:r>
-            <a:r>
-              <a:rPr/>
-              <a:t> button a document will be generated that includes both content as well as the output of any embedded R code chunks within the document.</a:t>
+            <a:pPr lvl="1"/>
+            <a:r>
+              <a:rPr/>
+              <a:t>Model wait time for amusement park attractions</a:t>
+            </a:r>
+          </a:p>
+          <a:p>
+            <a:pPr lvl="1"/>
+            <a:r>
+              <a:rPr/>
+              <a:t>Why important?</a:t>
+            </a:r>
+          </a:p>
+          <a:p>
+            <a:pPr lvl="2"/>
+            <a:r>
+              <a:rPr/>
+              <a:t>Park managers</a:t>
+            </a:r>
+          </a:p>
+          <a:p>
+            <a:pPr lvl="2"/>
+            <a:r>
+              <a:rPr/>
+              <a:t>Park visitors</a:t>
+            </a:r>
+          </a:p>
+          <a:p>
+            <a:pPr lvl="1"/>
+            <a:r>
+              <a:rPr/>
+              <a:t>Hypotheses about longer wait times</a:t>
+            </a:r>
+          </a:p>
+          <a:p>
+            <a:pPr lvl="2"/>
+            <a:r>
+              <a:rPr/>
+              <a:t>Attraction length</a:t>
+            </a:r>
+          </a:p>
+          <a:p>
+            <a:pPr lvl="2"/>
+            <a:r>
+              <a:rPr/>
+              <a:t>Higher interest</a:t>
+            </a:r>
+          </a:p>
+          <a:p>
+            <a:pPr lvl="2"/>
+            <a:r>
+              <a:rPr/>
+              <a:t>Main attractions</a:t>
+            </a:r>
+          </a:p>
+          <a:p>
+            <a:pPr lvl="2"/>
+            <a:r>
+              <a:rPr/>
+              <a:t>New attractions</a:t>
+            </a:r>
+          </a:p>
+          <a:p>
+            <a:pPr lvl="2"/>
+            <a:r>
+              <a:rPr/>
+              <a:t>Roller coasters</a:t>
+            </a:r>
+          </a:p>
+          <a:p>
+            <a:pPr lvl="2"/>
+            <a:r>
+              <a:rPr/>
+              <a:t>Outdoor attractions</a:t>
             </a:r>
           </a:p>
         </p:txBody>
@@ -3374,23 +3483,7 @@
             </a:pPr>
             <a:r>
               <a:rPr/>
-              <a:t>Slide</a:t>
-            </a:r>
-            <a:r>
-              <a:rPr/>
-              <a:t> </a:t>
-            </a:r>
-            <a:r>
-              <a:rPr/>
-              <a:t>with</a:t>
-            </a:r>
-            <a:r>
-              <a:rPr/>
-              <a:t> </a:t>
-            </a:r>
-            <a:r>
-              <a:rPr/>
-              <a:t>Bullets</a:t>
+              <a:t>Data</a:t>
             </a:r>
           </a:p>
         </p:txBody>
@@ -3402,146 +3495,67 @@
             <a:spLocks noGrp="1"/>
           </p:cNvSpPr>
           <p:nvPr>
-            <p:ph sz="half" idx="1"/>
-          </p:nvPr>
-        </p:nvSpPr>
-        <p:spPr/>
-        <p:txBody>
-          <a:bodyPr/>
-          <a:lstStyle/>
-          <a:p>
-            <a:pPr lvl="1"/>
-            <a:r>
-              <a:rPr/>
-              <a:t>Bullet 1</a:t>
-            </a:r>
-          </a:p>
-          <a:p>
-            <a:pPr lvl="1"/>
-            <a:r>
-              <a:rPr/>
-              <a:t>Bullet 2</a:t>
-            </a:r>
-          </a:p>
-          <a:p>
-            <a:pPr lvl="1"/>
-            <a:r>
-              <a:rPr/>
-              <a:t>Bullet 3</a:t>
-            </a:r>
-          </a:p>
-          <a:p>
-            <a:pPr lvl="1"/>
-            <a:r>
-              <a:rPr/>
-              <a:t>Bullet 4</a:t>
-            </a:r>
-          </a:p>
-          <a:p>
-            <a:pPr lvl="1"/>
-            <a:r>
-              <a:rPr/>
-              <a:t>Bullelt 5</a:t>
-            </a:r>
-          </a:p>
-          <a:p>
-            <a:pPr lvl="1"/>
-            <a:r>
-              <a:rPr/>
-              <a:t>Bullet 6</a:t>
-            </a:r>
-          </a:p>
-          <a:p>
-            <a:pPr lvl="1"/>
-            <a:r>
-              <a:rPr/>
-              <a:t>Bullet 7</a:t>
-            </a:r>
-          </a:p>
-          <a:p>
-            <a:pPr lvl="1"/>
-            <a:r>
-              <a:rPr/>
-              <a:t>Bullet 8</a:t>
-            </a:r>
-          </a:p>
-          <a:p>
-            <a:pPr lvl="1"/>
-            <a:r>
-              <a:rPr/>
-              <a:t>Bullet 9</a:t>
-            </a:r>
-          </a:p>
-        </p:txBody>
-      </p:sp>
-      <p:sp>
-        <p:nvSpPr>
-          <p:cNvPr id="4" name="Content Placeholder 3"/>
-          <p:cNvSpPr>
-            <a:spLocks noGrp="1"/>
-          </p:cNvSpPr>
-          <p:nvPr>
-            <p:ph sz="half" idx="2"/>
-          </p:nvPr>
-        </p:nvSpPr>
-        <p:spPr/>
-        <p:txBody>
-          <a:bodyPr/>
-          <a:lstStyle/>
-          <a:p>
-            <a:pPr lvl="1"/>
-            <a:r>
-              <a:rPr/>
-              <a:t>Bullelt 10</a:t>
-            </a:r>
-          </a:p>
-          <a:p>
-            <a:pPr lvl="1"/>
-            <a:r>
-              <a:rPr/>
-              <a:t>Bullet 11</a:t>
-            </a:r>
-          </a:p>
-          <a:p>
-            <a:pPr lvl="1"/>
-            <a:r>
-              <a:rPr/>
-              <a:t>Bullet 12</a:t>
-            </a:r>
-          </a:p>
-          <a:p>
-            <a:pPr lvl="1"/>
-            <a:r>
-              <a:rPr/>
-              <a:t>Bullet 13</a:t>
-            </a:r>
-          </a:p>
-          <a:p>
-            <a:pPr lvl="1"/>
-            <a:r>
-              <a:rPr/>
-              <a:t>Bullet 14</a:t>
-            </a:r>
-          </a:p>
-          <a:p>
-            <a:pPr lvl="1"/>
-            <a:r>
-              <a:rPr/>
-              <a:t>Bullelt 15</a:t>
-            </a:r>
-          </a:p>
-          <a:p>
-            <a:pPr lvl="1"/>
-            <a:r>
-              <a:rPr/>
-              <a:t>Bullet 16</a:t>
-            </a:r>
-          </a:p>
-          <a:p>
-            <a:pPr lvl="1"/>
-            <a:r>
-              <a:rPr/>
-              <a:t>Bullet 17</a:t>
+            <p:ph idx="1"/>
+          </p:nvPr>
+        </p:nvSpPr>
+        <p:spPr/>
+        <p:txBody>
+          <a:bodyPr/>
+          <a:lstStyle/>
+          <a:p>
+            <a:pPr lvl="1"/>
+            <a:r>
+              <a:rPr/>
+              <a:t>Collected for a senior thesis</a:t>
+            </a:r>
+          </a:p>
+          <a:p>
+            <a:pPr lvl="1"/>
+            <a:r>
+              <a:rPr/>
+              <a:t>Collected in 2018</a:t>
+            </a:r>
+          </a:p>
+          <a:p>
+            <a:pPr lvl="1"/>
+            <a:r>
+              <a:rPr/>
+              <a:t>Three Amusement Parks</a:t>
+            </a:r>
+          </a:p>
+          <a:p>
+            <a:pPr lvl="2"/>
+            <a:r>
+              <a:rPr/>
+              <a:t>Disney World</a:t>
+            </a:r>
+          </a:p>
+          <a:p>
+            <a:pPr lvl="2"/>
+            <a:r>
+              <a:rPr/>
+              <a:t>Disneyland</a:t>
+            </a:r>
+          </a:p>
+          <a:p>
+            <a:pPr lvl="2"/>
+            <a:r>
+              <a:rPr/>
+              <a:t>Universal Studios (Orlando)</a:t>
+            </a:r>
+          </a:p>
+          <a:p>
+            <a:pPr lvl="1"/>
+            <a:r>
+              <a:rPr/>
+              <a:t>128 observations</a:t>
+            </a:r>
+          </a:p>
+          <a:p>
+            <a:pPr lvl="1"/>
+            <a:r>
+              <a:rPr/>
+              <a:t>17 variables</a:t>
             </a:r>
           </a:p>
         </p:txBody>
@@ -3588,31 +3602,7 @@
             </a:pPr>
             <a:r>
               <a:rPr/>
-              <a:t>Slide</a:t>
-            </a:r>
-            <a:r>
-              <a:rPr/>
-              <a:t> </a:t>
-            </a:r>
-            <a:r>
-              <a:rPr/>
-              <a:t>with</a:t>
-            </a:r>
-            <a:r>
-              <a:rPr/>
-              <a:t> </a:t>
-            </a:r>
-            <a:r>
-              <a:rPr/>
-              <a:t>R</a:t>
-            </a:r>
-            <a:r>
-              <a:rPr/>
-              <a:t> </a:t>
-            </a:r>
-            <a:r>
-              <a:rPr/>
-              <a:t>Output</a:t>
+              <a:t>Variables</a:t>
             </a:r>
           </a:p>
         </p:txBody>
@@ -3624,48 +3614,146 @@
             <a:spLocks noGrp="1"/>
           </p:cNvSpPr>
           <p:nvPr>
-            <p:ph idx="1"/>
-          </p:nvPr>
-        </p:nvSpPr>
-        <p:spPr/>
-        <p:txBody>
-          <a:bodyPr/>
-          <a:lstStyle/>
-          <a:p>
-            <a:pPr lvl="0" marL="1270000" indent="0">
-              <a:buNone/>
-            </a:pPr>
-            <a:r>
-              <a:rPr sz="1800" b="1">
-                <a:solidFill>
-                  <a:srgbClr val="007020"/>
-                </a:solidFill>
-                <a:latin typeface="Courier"/>
-              </a:rPr>
-              <a:t>summary</a:t>
-            </a:r>
-            <a:r>
-              <a:rPr sz="1800">
-                <a:latin typeface="Courier"/>
-              </a:rPr>
-              <a:t>(cars)</a:t>
-            </a:r>
-          </a:p>
-          <a:p>
-            <a:pPr lvl="0" marL="1270000" indent="0">
-              <a:buNone/>
-            </a:pPr>
-            <a:r>
-              <a:rPr sz="1800">
-                <a:latin typeface="Courier"/>
-              </a:rPr>
-              <a:t>##      speed           dist       
-##  Min.   : 4.0   Min.   :  2.00  
-##  1st Qu.:12.0   1st Qu.: 26.00  
-##  Median :15.0   Median : 36.00  
-##  Mean   :15.4   Mean   : 42.98  
-##  3rd Qu.:19.0   3rd Qu.: 56.00  
-##  Max.   :25.0   Max.   :120.00</a:t>
+            <p:ph sz="half" idx="1"/>
+          </p:nvPr>
+        </p:nvSpPr>
+        <p:spPr/>
+        <p:txBody>
+          <a:bodyPr/>
+          <a:lstStyle/>
+          <a:p>
+            <a:pPr lvl="1"/>
+            <a:r>
+              <a:rPr/>
+              <a:t>Attraction Name</a:t>
+            </a:r>
+          </a:p>
+          <a:p>
+            <a:pPr lvl="1"/>
+            <a:r>
+              <a:rPr b="1"/>
+              <a:t>Main Ticket Attraction</a:t>
+            </a:r>
+          </a:p>
+          <a:p>
+            <a:pPr lvl="1"/>
+            <a:r>
+              <a:rPr/>
+              <a:t>Attraction Age</a:t>
+            </a:r>
+          </a:p>
+          <a:p>
+            <a:pPr lvl="1"/>
+            <a:r>
+              <a:rPr/>
+              <a:t>Attraction Length</a:t>
+            </a:r>
+          </a:p>
+          <a:p>
+            <a:pPr lvl="1"/>
+            <a:r>
+              <a:rPr/>
+              <a:t>Height Requirement</a:t>
+            </a:r>
+          </a:p>
+          <a:p>
+            <a:pPr lvl="1"/>
+            <a:r>
+              <a:rPr/>
+              <a:t>Interest Level of Preschool</a:t>
+            </a:r>
+          </a:p>
+          <a:p>
+            <a:pPr lvl="1"/>
+            <a:r>
+              <a:rPr/>
+              <a:t>Interest Level of Grade School</a:t>
+            </a:r>
+          </a:p>
+          <a:p>
+            <a:pPr lvl="1"/>
+            <a:r>
+              <a:rPr/>
+              <a:t>Interest Level of Teens</a:t>
+            </a:r>
+          </a:p>
+          <a:p>
+            <a:pPr lvl="1"/>
+            <a:r>
+              <a:rPr/>
+              <a:t>Interest Level of Young Adults</a:t>
+            </a:r>
+          </a:p>
+        </p:txBody>
+      </p:sp>
+      <p:sp>
+        <p:nvSpPr>
+          <p:cNvPr id="4" name="Content Placeholder 3"/>
+          <p:cNvSpPr>
+            <a:spLocks noGrp="1"/>
+          </p:cNvSpPr>
+          <p:nvPr>
+            <p:ph sz="half" idx="2"/>
+          </p:nvPr>
+        </p:nvSpPr>
+        <p:spPr/>
+        <p:txBody>
+          <a:bodyPr/>
+          <a:lstStyle/>
+          <a:p>
+            <a:pPr lvl="1"/>
+            <a:r>
+              <a:rPr/>
+              <a:t>Interest Level of Adults</a:t>
+            </a:r>
+          </a:p>
+          <a:p>
+            <a:pPr lvl="1"/>
+            <a:r>
+              <a:rPr/>
+              <a:t>Interest Level of Seniors</a:t>
+            </a:r>
+          </a:p>
+          <a:p>
+            <a:pPr lvl="1"/>
+            <a:r>
+              <a:rPr/>
+              <a:t>Attraction Vehicle Type</a:t>
+            </a:r>
+          </a:p>
+          <a:p>
+            <a:pPr lvl="1"/>
+            <a:r>
+              <a:rPr/>
+              <a:t>Average Wait Time (response)</a:t>
+            </a:r>
+          </a:p>
+          <a:p>
+            <a:pPr lvl="1"/>
+            <a:r>
+              <a:rPr b="1"/>
+              <a:t>Based on Popular Story</a:t>
+            </a:r>
+          </a:p>
+          <a:p>
+            <a:pPr lvl="1"/>
+            <a:r>
+              <a:rPr b="1"/>
+              <a:t>Attraction Environment</a:t>
+            </a:r>
+          </a:p>
+          <a:p>
+            <a:pPr lvl="1"/>
+            <a:r>
+              <a:rPr/>
+              <a:t>Average Thrilll Level</a:t>
+            </a:r>
+          </a:p>
+          <a:p>
+            <a:pPr lvl="1"/>
+            <a:r>
+              <a:rPr/>
+              <a:t>Average Senesory Level</a:t>
             </a:r>
           </a:p>
         </p:txBody>
@@ -3712,7 +3800,7 @@
             </a:pPr>
             <a:r>
               <a:rPr/>
-              <a:t>Slide</a:t>
+              <a:t>Model</a:t>
             </a:r>
             <a:r>
               <a:rPr/>
@@ -3720,7 +3808,7 @@
             </a:r>
             <a:r>
               <a:rPr/>
-              <a:t>with</a:t>
+              <a:t>One</a:t>
             </a:r>
             <a:r>
               <a:rPr/>
@@ -3728,41 +3816,666 @@
             </a:r>
             <a:r>
               <a:rPr/>
-              <a:t>Plot</a:t>
-            </a:r>
-          </a:p>
-        </p:txBody>
-      </p:sp>
-      <p:pic>
-        <p:nvPicPr>
-          <p:cNvPr descr="Presentation_files/figure-pptx/pressure-1.png" id="0" name="Picture 1"/>
-          <p:cNvPicPr>
-            <a:picLocks noGrp="1" noChangeAspect="1"/>
-          </p:cNvPicPr>
-          <p:nvPr/>
-        </p:nvPicPr>
-        <p:blipFill>
-          <a:blip r:embed="rId2"/>
-          <a:stretch>
-            <a:fillRect/>
-          </a:stretch>
-        </p:blipFill>
-        <p:spPr bwMode="auto">
-          <a:xfrm>
-            <a:off x="1752600" y="1600200"/>
-            <a:ext cx="5651500" cy="4521200"/>
-          </a:xfrm>
-          <a:prstGeom prst="rect">
-            <a:avLst/>
-          </a:prstGeom>
-          <a:noFill/>
-          <a:ln w="9525">
-            <a:noFill/>
-            <a:headEnd/>
-            <a:tailEnd/>
-          </a:ln>
-        </p:spPr>
-      </p:pic>
+              <a:t>-</a:t>
+            </a:r>
+            <a:r>
+              <a:rPr/>
+              <a:t> </a:t>
+            </a:r>
+            <a:r>
+              <a:rPr/>
+              <a:t>All</a:t>
+            </a:r>
+            <a:r>
+              <a:rPr/>
+              <a:t> </a:t>
+            </a:r>
+            <a:r>
+              <a:rPr/>
+              <a:t>Attractions</a:t>
+            </a:r>
+          </a:p>
+        </p:txBody>
+      </p:sp>
+      <p:sp>
+        <p:nvSpPr>
+          <p:cNvPr id="3" name="Content Placeholder 2"/>
+          <p:cNvSpPr>
+            <a:spLocks noGrp="1"/>
+          </p:cNvSpPr>
+          <p:nvPr>
+            <p:ph idx="1"/>
+          </p:nvPr>
+        </p:nvSpPr>
+        <p:spPr/>
+        <p:txBody>
+          <a:bodyPr/>
+          <a:lstStyle/>
+          <a:p>
+            <a:pPr lvl="1"/>
+            <a:r>
+              <a:rPr/>
+              <a:t>Compared results of variable selection methods</a:t>
+            </a:r>
+          </a:p>
+          <a:p>
+            <a:pPr lvl="2"/>
+            <a:r>
+              <a:rPr/>
+              <a:t>Forward selection</a:t>
+            </a:r>
+          </a:p>
+          <a:p>
+            <a:pPr lvl="2"/>
+            <a:r>
+              <a:rPr/>
+              <a:t>Backward elimination</a:t>
+            </a:r>
+          </a:p>
+          <a:p>
+            <a:pPr lvl="2"/>
+            <a:r>
+              <a:rPr/>
+              <a:t>Stepwise regression</a:t>
+            </a:r>
+          </a:p>
+          <a:p>
+            <a:pPr lvl="2"/>
+            <a:r>
+              <a:rPr/>
+              <a:t>All-possible regression</a:t>
+            </a:r>
+          </a:p>
+          <a:p>
+            <a:pPr lvl="1"/>
+            <a:r>
+              <a:rPr/>
+              <a:t>Best model from all-possible regression (and for next models too)</a:t>
+            </a:r>
+          </a:p>
+          <a:p>
+            <a:pPr lvl="2"/>
+            <a:r>
+              <a:rPr/>
+              <a:t>Length, teen interest, young adult interest, senior interest, thrill level, based on story, outdoor</a:t>
+            </a:r>
+          </a:p>
+          <a:p>
+            <a:pPr lvl="1"/>
+            <a:r>
+              <a:rPr/>
+              <a:t>Adjusted R-squared: 0.4633</a:t>
+            </a:r>
+          </a:p>
+        </p:txBody>
+      </p:sp>
+    </p:spTree>
+  </p:cSld>
+</p:sld>
+</file>
+
+<file path=ppt/slides/slide6.xml><?xml version="1.0" encoding="utf-8"?>
+<p:sld xmlns:a="http://schemas.openxmlformats.org/drawingml/2006/main" xmlns:r="http://schemas.openxmlformats.org/officeDocument/2006/relationships" xmlns:p="http://schemas.openxmlformats.org/presentationml/2006/main">
+  <p:cSld>
+    <p:spTree>
+      <p:nvGrpSpPr>
+        <p:cNvPr id="1" name=""/>
+        <p:cNvGrpSpPr/>
+        <p:nvPr/>
+      </p:nvGrpSpPr>
+      <p:grpSpPr>
+        <a:xfrm>
+          <a:off x="0" y="0"/>
+          <a:ext cx="0" cy="0"/>
+          <a:chOff x="0" y="0"/>
+          <a:chExt cx="0" cy="0"/>
+        </a:xfrm>
+      </p:grpSpPr>
+      <p:sp>
+        <p:nvSpPr>
+          <p:cNvPr id="2" name="Title 1"/>
+          <p:cNvSpPr>
+            <a:spLocks noGrp="1"/>
+          </p:cNvSpPr>
+          <p:nvPr>
+            <p:ph type="title"/>
+          </p:nvPr>
+        </p:nvSpPr>
+        <p:spPr/>
+        <p:txBody>
+          <a:bodyPr/>
+          <a:lstStyle/>
+          <a:p>
+            <a:pPr lvl="0" marL="0" indent="0">
+              <a:buNone/>
+            </a:pPr>
+            <a:r>
+              <a:rPr/>
+              <a:t>Model</a:t>
+            </a:r>
+            <a:r>
+              <a:rPr/>
+              <a:t> </a:t>
+            </a:r>
+            <a:r>
+              <a:rPr/>
+              <a:t>Two</a:t>
+            </a:r>
+            <a:r>
+              <a:rPr/>
+              <a:t> </a:t>
+            </a:r>
+            <a:r>
+              <a:rPr/>
+              <a:t>-</a:t>
+            </a:r>
+            <a:r>
+              <a:rPr/>
+              <a:t> </a:t>
+            </a:r>
+            <a:r>
+              <a:rPr/>
+              <a:t>No</a:t>
+            </a:r>
+            <a:r>
+              <a:rPr/>
+              <a:t> </a:t>
+            </a:r>
+            <a:r>
+              <a:rPr/>
+              <a:t>Shows</a:t>
+            </a:r>
+          </a:p>
+        </p:txBody>
+      </p:sp>
+      <p:sp>
+        <p:nvSpPr>
+          <p:cNvPr id="3" name="Content Placeholder 2"/>
+          <p:cNvSpPr>
+            <a:spLocks noGrp="1"/>
+          </p:cNvSpPr>
+          <p:nvPr>
+            <p:ph idx="1"/>
+          </p:nvPr>
+        </p:nvSpPr>
+        <p:spPr/>
+        <p:txBody>
+          <a:bodyPr/>
+          <a:lstStyle/>
+          <a:p>
+            <a:pPr lvl="1"/>
+            <a:r>
+              <a:rPr/>
+              <a:t>Decided to get rid of shows</a:t>
+            </a:r>
+          </a:p>
+          <a:p>
+            <a:pPr lvl="2"/>
+            <a:r>
+              <a:rPr/>
+              <a:t>Influential points, outliers</a:t>
+            </a:r>
+          </a:p>
+          <a:p>
+            <a:pPr lvl="1"/>
+            <a:r>
+              <a:rPr/>
+              <a:t>Rides and shows length difference</a:t>
+            </a:r>
+          </a:p>
+          <a:p>
+            <a:pPr lvl="1"/>
+            <a:r>
+              <a:rPr/>
+              <a:t>Best Model</a:t>
+            </a:r>
+          </a:p>
+          <a:p>
+            <a:pPr lvl="2"/>
+            <a:r>
+              <a:rPr/>
+              <a:t>Main attraction, age, length, teen interest, young adult interest, senior interest, based on story, sense level, indoor, outdoor</a:t>
+            </a:r>
+          </a:p>
+          <a:p>
+            <a:pPr lvl="1"/>
+            <a:r>
+              <a:rPr/>
+              <a:t>Adjusted R-Squared: 0.4923</a:t>
+            </a:r>
+          </a:p>
+        </p:txBody>
+      </p:sp>
+    </p:spTree>
+  </p:cSld>
+</p:sld>
+</file>
+
+<file path=ppt/slides/slide7.xml><?xml version="1.0" encoding="utf-8"?>
+<p:sld xmlns:a="http://schemas.openxmlformats.org/drawingml/2006/main" xmlns:r="http://schemas.openxmlformats.org/officeDocument/2006/relationships" xmlns:p="http://schemas.openxmlformats.org/presentationml/2006/main">
+  <p:cSld>
+    <p:spTree>
+      <p:nvGrpSpPr>
+        <p:cNvPr id="1" name=""/>
+        <p:cNvGrpSpPr/>
+        <p:nvPr/>
+      </p:nvGrpSpPr>
+      <p:grpSpPr>
+        <a:xfrm>
+          <a:off x="0" y="0"/>
+          <a:ext cx="0" cy="0"/>
+          <a:chOff x="0" y="0"/>
+          <a:chExt cx="0" cy="0"/>
+        </a:xfrm>
+      </p:grpSpPr>
+      <p:sp>
+        <p:nvSpPr>
+          <p:cNvPr id="2" name="Title 1"/>
+          <p:cNvSpPr>
+            <a:spLocks noGrp="1"/>
+          </p:cNvSpPr>
+          <p:nvPr>
+            <p:ph type="title"/>
+          </p:nvPr>
+        </p:nvSpPr>
+        <p:spPr/>
+        <p:txBody>
+          <a:bodyPr/>
+          <a:lstStyle/>
+          <a:p>
+            <a:pPr lvl="0" marL="0" indent="0">
+              <a:buNone/>
+            </a:pPr>
+            <a:r>
+              <a:rPr/>
+              <a:t>Model</a:t>
+            </a:r>
+            <a:r>
+              <a:rPr/>
+              <a:t> </a:t>
+            </a:r>
+            <a:r>
+              <a:rPr/>
+              <a:t>Three</a:t>
+            </a:r>
+            <a:r>
+              <a:rPr/>
+              <a:t> </a:t>
+            </a:r>
+            <a:r>
+              <a:rPr/>
+              <a:t>-</a:t>
+            </a:r>
+            <a:r>
+              <a:rPr/>
+              <a:t> </a:t>
+            </a:r>
+            <a:r>
+              <a:rPr/>
+              <a:t>Aggregating</a:t>
+            </a:r>
+            <a:r>
+              <a:rPr/>
+              <a:t> </a:t>
+            </a:r>
+            <a:r>
+              <a:rPr/>
+              <a:t>Interest</a:t>
+            </a:r>
+            <a:r>
+              <a:rPr/>
+              <a:t> </a:t>
+            </a:r>
+            <a:r>
+              <a:rPr/>
+              <a:t>Level</a:t>
+            </a:r>
+          </a:p>
+        </p:txBody>
+      </p:sp>
+      <p:sp>
+        <p:nvSpPr>
+          <p:cNvPr id="3" name="Content Placeholder 2"/>
+          <p:cNvSpPr>
+            <a:spLocks noGrp="1"/>
+          </p:cNvSpPr>
+          <p:nvPr>
+            <p:ph idx="1"/>
+          </p:nvPr>
+        </p:nvSpPr>
+        <p:spPr/>
+        <p:txBody>
+          <a:bodyPr/>
+          <a:lstStyle/>
+          <a:p>
+            <a:pPr lvl="1"/>
+            <a:r>
+              <a:rPr/>
+              <a:t>Noticed three variables were similar</a:t>
+            </a:r>
+          </a:p>
+          <a:p>
+            <a:pPr lvl="2"/>
+            <a:r>
+              <a:rPr/>
+              <a:t>Collinearity</a:t>
+            </a:r>
+          </a:p>
+          <a:p>
+            <a:pPr lvl="1"/>
+            <a:r>
+              <a:rPr/>
+              <a:t>Created a variable average adult interest</a:t>
+            </a:r>
+          </a:p>
+          <a:p>
+            <a:pPr lvl="2"/>
+            <a:r>
+              <a:rPr/>
+              <a:t>Combined teen interest, young adult interest, adult interest</a:t>
+            </a:r>
+          </a:p>
+          <a:p>
+            <a:pPr lvl="1"/>
+            <a:r>
+              <a:rPr/>
+              <a:t>Best Model</a:t>
+            </a:r>
+          </a:p>
+          <a:p>
+            <a:pPr lvl="2"/>
+            <a:r>
+              <a:rPr/>
+              <a:t>Main attraction, age, length, based on story, sense level, indoor, outdoor, average adult interest</a:t>
+            </a:r>
+          </a:p>
+          <a:p>
+            <a:pPr lvl="1"/>
+            <a:r>
+              <a:rPr/>
+              <a:t>Adjusted R-Squared = 0.4970</a:t>
+            </a:r>
+          </a:p>
+        </p:txBody>
+      </p:sp>
+    </p:spTree>
+  </p:cSld>
+</p:sld>
+</file>
+
+<file path=ppt/slides/slide8.xml><?xml version="1.0" encoding="utf-8"?>
+<p:sld xmlns:a="http://schemas.openxmlformats.org/drawingml/2006/main" xmlns:r="http://schemas.openxmlformats.org/officeDocument/2006/relationships" xmlns:p="http://schemas.openxmlformats.org/presentationml/2006/main">
+  <p:cSld>
+    <p:spTree>
+      <p:nvGrpSpPr>
+        <p:cNvPr id="1" name=""/>
+        <p:cNvGrpSpPr/>
+        <p:nvPr/>
+      </p:nvGrpSpPr>
+      <p:grpSpPr>
+        <a:xfrm>
+          <a:off x="0" y="0"/>
+          <a:ext cx="0" cy="0"/>
+          <a:chOff x="0" y="0"/>
+          <a:chExt cx="0" cy="0"/>
+        </a:xfrm>
+      </p:grpSpPr>
+      <p:sp>
+        <p:nvSpPr>
+          <p:cNvPr id="2" name="Title 1"/>
+          <p:cNvSpPr>
+            <a:spLocks noGrp="1"/>
+          </p:cNvSpPr>
+          <p:nvPr>
+            <p:ph type="title"/>
+          </p:nvPr>
+        </p:nvSpPr>
+        <p:spPr/>
+        <p:txBody>
+          <a:bodyPr/>
+          <a:lstStyle/>
+          <a:p>
+            <a:pPr lvl="0" marL="0" indent="0">
+              <a:buNone/>
+            </a:pPr>
+            <a:r>
+              <a:rPr/>
+              <a:t>Model</a:t>
+            </a:r>
+            <a:r>
+              <a:rPr/>
+              <a:t> </a:t>
+            </a:r>
+            <a:r>
+              <a:rPr/>
+              <a:t>Four</a:t>
+            </a:r>
+            <a:r>
+              <a:rPr/>
+              <a:t> </a:t>
+            </a:r>
+            <a:r>
+              <a:rPr/>
+              <a:t>-</a:t>
+            </a:r>
+            <a:r>
+              <a:rPr/>
+              <a:t> </a:t>
+            </a:r>
+            <a:r>
+              <a:rPr/>
+              <a:t>Ride</a:t>
+            </a:r>
+            <a:r>
+              <a:rPr/>
+              <a:t> </a:t>
+            </a:r>
+            <a:r>
+              <a:rPr/>
+              <a:t>vs</a:t>
+            </a:r>
+            <a:r>
+              <a:rPr/>
+              <a:t> </a:t>
+            </a:r>
+            <a:r>
+              <a:rPr/>
+              <a:t>Show</a:t>
+            </a:r>
+          </a:p>
+        </p:txBody>
+      </p:sp>
+      <p:sp>
+        <p:nvSpPr>
+          <p:cNvPr id="3" name="Content Placeholder 2"/>
+          <p:cNvSpPr>
+            <a:spLocks noGrp="1"/>
+          </p:cNvSpPr>
+          <p:nvPr>
+            <p:ph idx="1"/>
+          </p:nvPr>
+        </p:nvSpPr>
+        <p:spPr/>
+        <p:txBody>
+          <a:bodyPr/>
+          <a:lstStyle/>
+          <a:p>
+            <a:pPr lvl="1"/>
+            <a:r>
+              <a:rPr/>
+              <a:t>Returned shows</a:t>
+            </a:r>
+          </a:p>
+          <a:p>
+            <a:pPr lvl="1"/>
+            <a:r>
+              <a:rPr/>
+              <a:t>Differentiating between rides and shows</a:t>
+            </a:r>
+          </a:p>
+          <a:p>
+            <a:pPr lvl="2"/>
+            <a:r>
+              <a:rPr/>
+              <a:t>Used vehicle to create an indicator variable for ride (1) and show (0)</a:t>
+            </a:r>
+          </a:p>
+          <a:p>
+            <a:pPr lvl="1"/>
+            <a:r>
+              <a:rPr/>
+              <a:t>Best Model</a:t>
+            </a:r>
+          </a:p>
+          <a:p>
+            <a:pPr lvl="2"/>
+            <a:r>
+              <a:rPr/>
+              <a:t>Length, preschooler interest, based on story, thrill level, outdoor, average adult interest, ride</a:t>
+            </a:r>
+          </a:p>
+          <a:p>
+            <a:pPr lvl="1"/>
+            <a:r>
+              <a:rPr/>
+              <a:t>Adjusted R-squared: 0.6141</a:t>
+            </a:r>
+          </a:p>
+          <a:p>
+            <a:pPr lvl="1"/>
+            <a:r>
+              <a:rPr/>
+              <a:t>Best overall model</a:t>
+            </a:r>
+          </a:p>
+          <a:p>
+            <a:pPr lvl="1"/>
+            <a:r>
+              <a:rPr/>
+              <a:t>Investigated possibility of transformation</a:t>
+            </a:r>
+          </a:p>
+        </p:txBody>
+      </p:sp>
+    </p:spTree>
+  </p:cSld>
+</p:sld>
+</file>
+
+<file path=ppt/slides/slide9.xml><?xml version="1.0" encoding="utf-8"?>
+<p:sld xmlns:a="http://schemas.openxmlformats.org/drawingml/2006/main" xmlns:r="http://schemas.openxmlformats.org/officeDocument/2006/relationships" xmlns:p="http://schemas.openxmlformats.org/presentationml/2006/main">
+  <p:cSld>
+    <p:spTree>
+      <p:nvGrpSpPr>
+        <p:cNvPr id="1" name=""/>
+        <p:cNvGrpSpPr/>
+        <p:nvPr/>
+      </p:nvGrpSpPr>
+      <p:grpSpPr>
+        <a:xfrm>
+          <a:off x="0" y="0"/>
+          <a:ext cx="0" cy="0"/>
+          <a:chOff x="0" y="0"/>
+          <a:chExt cx="0" cy="0"/>
+        </a:xfrm>
+      </p:grpSpPr>
+      <p:sp>
+        <p:nvSpPr>
+          <p:cNvPr id="2" name="Title 1"/>
+          <p:cNvSpPr>
+            <a:spLocks noGrp="1"/>
+          </p:cNvSpPr>
+          <p:nvPr>
+            <p:ph type="title"/>
+          </p:nvPr>
+        </p:nvSpPr>
+        <p:spPr/>
+        <p:txBody>
+          <a:bodyPr/>
+          <a:lstStyle/>
+          <a:p>
+            <a:pPr lvl="0" marL="0" indent="0">
+              <a:buNone/>
+            </a:pPr>
+            <a:r>
+              <a:rPr/>
+              <a:t>Conclusion</a:t>
+            </a:r>
+          </a:p>
+        </p:txBody>
+      </p:sp>
+      <p:sp>
+        <p:nvSpPr>
+          <p:cNvPr id="3" name="Content Placeholder 2"/>
+          <p:cNvSpPr>
+            <a:spLocks noGrp="1"/>
+          </p:cNvSpPr>
+          <p:nvPr>
+            <p:ph idx="1"/>
+          </p:nvPr>
+        </p:nvSpPr>
+        <p:spPr/>
+        <p:txBody>
+          <a:bodyPr/>
+          <a:lstStyle/>
+          <a:p>
+            <a:pPr lvl="1"/>
+            <a:r>
+              <a:rPr/>
+              <a:t>Less than stellar results</a:t>
+            </a:r>
+          </a:p>
+          <a:p>
+            <a:pPr lvl="1"/>
+            <a:r>
+              <a:rPr/>
+              <a:t>Need more relevant variables to determine wait time</a:t>
+            </a:r>
+          </a:p>
+          <a:p>
+            <a:pPr lvl="2"/>
+            <a:r>
+              <a:rPr/>
+              <a:t>Location in park (ride groupings)</a:t>
+            </a:r>
+          </a:p>
+          <a:p>
+            <a:pPr lvl="2"/>
+            <a:r>
+              <a:rPr/>
+              <a:t>Number of people serviced in an hour</a:t>
+            </a:r>
+          </a:p>
+          <a:p>
+            <a:pPr lvl="2"/>
+            <a:r>
+              <a:rPr/>
+              <a:t>Daily records of number of people in park for a year</a:t>
+            </a:r>
+          </a:p>
+          <a:p>
+            <a:pPr lvl="2"/>
+            <a:r>
+              <a:rPr/>
+              <a:t>Time and money spent on advertising (in general or specific ride)</a:t>
+            </a:r>
+          </a:p>
+          <a:p>
+            <a:pPr lvl="2"/>
+            <a:r>
+              <a:rPr/>
+              <a:t>Cost of each ride, if applicable</a:t>
+            </a:r>
+          </a:p>
+          <a:p>
+            <a:pPr lvl="1"/>
+            <a:r>
+              <a:rPr/>
+              <a:t>Residual analysis shows evidence of nonlinear relationship</a:t>
+            </a:r>
+          </a:p>
+        </p:txBody>
+      </p:sp>
     </p:spTree>
   </p:cSld>
 </p:sld>

--- a/Presentation.pptx
+++ b/Presentation.pptx
@@ -14,6 +14,14 @@
     <p:sldId id="262" r:id="rId8"/>
     <p:sldId id="263" r:id="rId9"/>
     <p:sldId id="264" r:id="rId10"/>
+    <p:sldId id="265" r:id="rId11"/>
+    <p:sldId id="266" r:id="rId12"/>
+    <p:sldId id="267" r:id="rId13"/>
+    <p:sldId id="268" r:id="rId14"/>
+    <p:sldId id="269" r:id="rId15"/>
+    <p:sldId id="270" r:id="rId16"/>
+    <p:sldId id="271" r:id="rId17"/>
+    <p:sldId id="272" r:id="rId18"/>
   </p:sldIdLst>
   <p:sldSz cx="9144000" cy="6858000" type="screen4x3"/>
   <p:notesSz cx="6858000" cy="9144000"/>
@@ -3306,6 +3314,622 @@
 </p:sld>
 </file>
 
+<file path=ppt/slides/slide10.xml><?xml version="1.0" encoding="utf-8"?>
+<p:sld xmlns:a="http://schemas.openxmlformats.org/drawingml/2006/main" xmlns:r="http://schemas.openxmlformats.org/officeDocument/2006/relationships" xmlns:p="http://schemas.openxmlformats.org/presentationml/2006/main">
+  <p:cSld>
+    <p:spTree>
+      <p:nvGrpSpPr>
+        <p:cNvPr id="1" name=""/>
+        <p:cNvGrpSpPr/>
+        <p:nvPr/>
+      </p:nvGrpSpPr>
+      <p:grpSpPr>
+        <a:xfrm>
+          <a:off x="0" y="0"/>
+          <a:ext cx="0" cy="0"/>
+          <a:chOff x="0" y="0"/>
+          <a:chExt cx="0" cy="0"/>
+        </a:xfrm>
+      </p:grpSpPr>
+      <p:sp>
+        <p:nvSpPr>
+          <p:cNvPr id="2" name="Title 1"/>
+          <p:cNvSpPr>
+            <a:spLocks noGrp="1"/>
+          </p:cNvSpPr>
+          <p:nvPr>
+            <p:ph type="title"/>
+          </p:nvPr>
+        </p:nvSpPr>
+        <p:spPr/>
+        <p:txBody>
+          <a:bodyPr/>
+          <a:lstStyle/>
+          <a:p>
+            <a:pPr lvl="0" marL="0" indent="0">
+              <a:buNone/>
+            </a:pPr>
+            <a:r>
+              <a:rPr/>
+              <a:t>Appendix</a:t>
+            </a:r>
+          </a:p>
+        </p:txBody>
+      </p:sp>
+      <p:pic>
+        <p:nvPicPr>
+          <p:cNvPr descr="Presentation_files/figure-pptx/unnamed-chunk-1-1.png" id="0" name="Picture 1"/>
+          <p:cNvPicPr>
+            <a:picLocks noGrp="1" noChangeAspect="1"/>
+          </p:cNvPicPr>
+          <p:nvPr/>
+        </p:nvPicPr>
+        <p:blipFill>
+          <a:blip r:embed="rId2"/>
+          <a:stretch>
+            <a:fillRect/>
+          </a:stretch>
+        </p:blipFill>
+        <p:spPr bwMode="auto">
+          <a:xfrm>
+            <a:off x="1752600" y="1600200"/>
+            <a:ext cx="5651500" cy="4521200"/>
+          </a:xfrm>
+          <a:prstGeom prst="rect">
+            <a:avLst/>
+          </a:prstGeom>
+          <a:noFill/>
+          <a:ln w="9525">
+            <a:noFill/>
+            <a:headEnd/>
+            <a:tailEnd/>
+          </a:ln>
+        </p:spPr>
+      </p:pic>
+    </p:spTree>
+  </p:cSld>
+</p:sld>
+</file>
+
+<file path=ppt/slides/slide11.xml><?xml version="1.0" encoding="utf-8"?>
+<p:sld xmlns:a="http://schemas.openxmlformats.org/drawingml/2006/main" xmlns:r="http://schemas.openxmlformats.org/officeDocument/2006/relationships" xmlns:p="http://schemas.openxmlformats.org/presentationml/2006/main">
+  <p:cSld>
+    <p:spTree>
+      <p:nvGrpSpPr>
+        <p:cNvPr id="1" name=""/>
+        <p:cNvGrpSpPr/>
+        <p:nvPr/>
+      </p:nvGrpSpPr>
+      <p:grpSpPr>
+        <a:xfrm>
+          <a:off x="0" y="0"/>
+          <a:ext cx="0" cy="0"/>
+          <a:chOff x="0" y="0"/>
+          <a:chExt cx="0" cy="0"/>
+        </a:xfrm>
+      </p:grpSpPr>
+      <p:sp>
+        <p:nvSpPr>
+          <p:cNvPr id="2" name="Title 1"/>
+          <p:cNvSpPr>
+            <a:spLocks noGrp="1"/>
+          </p:cNvSpPr>
+          <p:nvPr>
+            <p:ph type="title"/>
+          </p:nvPr>
+        </p:nvSpPr>
+        <p:spPr/>
+        <p:txBody>
+          <a:bodyPr/>
+          <a:lstStyle/>
+          <a:p>
+            <a:pPr lvl="0" marL="0" indent="0">
+              <a:buNone/>
+            </a:pPr>
+            <a:r>
+              <a:rPr/>
+              <a:t>Appendix</a:t>
+            </a:r>
+          </a:p>
+        </p:txBody>
+      </p:sp>
+      <p:pic>
+        <p:nvPicPr>
+          <p:cNvPr descr="Presentation_files/figure-pptx/unnamed-chunk-2-1.png" id="0" name="Picture 1"/>
+          <p:cNvPicPr>
+            <a:picLocks noGrp="1" noChangeAspect="1"/>
+          </p:cNvPicPr>
+          <p:nvPr/>
+        </p:nvPicPr>
+        <p:blipFill>
+          <a:blip r:embed="rId2"/>
+          <a:stretch>
+            <a:fillRect/>
+          </a:stretch>
+        </p:blipFill>
+        <p:spPr bwMode="auto">
+          <a:xfrm>
+            <a:off x="1752600" y="1600200"/>
+            <a:ext cx="5651500" cy="4521200"/>
+          </a:xfrm>
+          <a:prstGeom prst="rect">
+            <a:avLst/>
+          </a:prstGeom>
+          <a:noFill/>
+          <a:ln w="9525">
+            <a:noFill/>
+            <a:headEnd/>
+            <a:tailEnd/>
+          </a:ln>
+        </p:spPr>
+      </p:pic>
+    </p:spTree>
+  </p:cSld>
+</p:sld>
+</file>
+
+<file path=ppt/slides/slide12.xml><?xml version="1.0" encoding="utf-8"?>
+<p:sld xmlns:a="http://schemas.openxmlformats.org/drawingml/2006/main" xmlns:r="http://schemas.openxmlformats.org/officeDocument/2006/relationships" xmlns:p="http://schemas.openxmlformats.org/presentationml/2006/main">
+  <p:cSld>
+    <p:spTree>
+      <p:nvGrpSpPr>
+        <p:cNvPr id="1" name=""/>
+        <p:cNvGrpSpPr/>
+        <p:nvPr/>
+      </p:nvGrpSpPr>
+      <p:grpSpPr>
+        <a:xfrm>
+          <a:off x="0" y="0"/>
+          <a:ext cx="0" cy="0"/>
+          <a:chOff x="0" y="0"/>
+          <a:chExt cx="0" cy="0"/>
+        </a:xfrm>
+      </p:grpSpPr>
+      <p:sp>
+        <p:nvSpPr>
+          <p:cNvPr id="2" name="Title 1"/>
+          <p:cNvSpPr>
+            <a:spLocks noGrp="1"/>
+          </p:cNvSpPr>
+          <p:nvPr>
+            <p:ph type="title"/>
+          </p:nvPr>
+        </p:nvSpPr>
+        <p:spPr/>
+        <p:txBody>
+          <a:bodyPr/>
+          <a:lstStyle/>
+          <a:p>
+            <a:pPr lvl="0" marL="0" indent="0">
+              <a:buNone/>
+            </a:pPr>
+            <a:r>
+              <a:rPr/>
+              <a:t>Appendix</a:t>
+            </a:r>
+          </a:p>
+        </p:txBody>
+      </p:sp>
+      <p:pic>
+        <p:nvPicPr>
+          <p:cNvPr descr="Presentation_files/figure-pptx/unnamed-chunk-3-1.png" id="0" name="Picture 1"/>
+          <p:cNvPicPr>
+            <a:picLocks noGrp="1" noChangeAspect="1"/>
+          </p:cNvPicPr>
+          <p:nvPr/>
+        </p:nvPicPr>
+        <p:blipFill>
+          <a:blip r:embed="rId2"/>
+          <a:stretch>
+            <a:fillRect/>
+          </a:stretch>
+        </p:blipFill>
+        <p:spPr bwMode="auto">
+          <a:xfrm>
+            <a:off x="1752600" y="1600200"/>
+            <a:ext cx="5651500" cy="4521200"/>
+          </a:xfrm>
+          <a:prstGeom prst="rect">
+            <a:avLst/>
+          </a:prstGeom>
+          <a:noFill/>
+          <a:ln w="9525">
+            <a:noFill/>
+            <a:headEnd/>
+            <a:tailEnd/>
+          </a:ln>
+        </p:spPr>
+      </p:pic>
+    </p:spTree>
+  </p:cSld>
+</p:sld>
+</file>
+
+<file path=ppt/slides/slide13.xml><?xml version="1.0" encoding="utf-8"?>
+<p:sld xmlns:a="http://schemas.openxmlformats.org/drawingml/2006/main" xmlns:r="http://schemas.openxmlformats.org/officeDocument/2006/relationships" xmlns:p="http://schemas.openxmlformats.org/presentationml/2006/main">
+  <p:cSld>
+    <p:spTree>
+      <p:nvGrpSpPr>
+        <p:cNvPr id="1" name=""/>
+        <p:cNvGrpSpPr/>
+        <p:nvPr/>
+      </p:nvGrpSpPr>
+      <p:grpSpPr>
+        <a:xfrm>
+          <a:off x="0" y="0"/>
+          <a:ext cx="0" cy="0"/>
+          <a:chOff x="0" y="0"/>
+          <a:chExt cx="0" cy="0"/>
+        </a:xfrm>
+      </p:grpSpPr>
+      <p:sp>
+        <p:nvSpPr>
+          <p:cNvPr id="2" name="Title 1"/>
+          <p:cNvSpPr>
+            <a:spLocks noGrp="1"/>
+          </p:cNvSpPr>
+          <p:nvPr>
+            <p:ph type="title"/>
+          </p:nvPr>
+        </p:nvSpPr>
+        <p:spPr/>
+        <p:txBody>
+          <a:bodyPr/>
+          <a:lstStyle/>
+          <a:p>
+            <a:pPr lvl="0" marL="0" indent="0">
+              <a:buNone/>
+            </a:pPr>
+            <a:r>
+              <a:rPr/>
+              <a:t>Appendix</a:t>
+            </a:r>
+          </a:p>
+        </p:txBody>
+      </p:sp>
+      <p:pic>
+        <p:nvPicPr>
+          <p:cNvPr descr="Presentation_files/figure-pptx/unnamed-chunk-4-1.png" id="0" name="Picture 1"/>
+          <p:cNvPicPr>
+            <a:picLocks noGrp="1" noChangeAspect="1"/>
+          </p:cNvPicPr>
+          <p:nvPr/>
+        </p:nvPicPr>
+        <p:blipFill>
+          <a:blip r:embed="rId2"/>
+          <a:stretch>
+            <a:fillRect/>
+          </a:stretch>
+        </p:blipFill>
+        <p:spPr bwMode="auto">
+          <a:xfrm>
+            <a:off x="1752600" y="1600200"/>
+            <a:ext cx="5651500" cy="4521200"/>
+          </a:xfrm>
+          <a:prstGeom prst="rect">
+            <a:avLst/>
+          </a:prstGeom>
+          <a:noFill/>
+          <a:ln w="9525">
+            <a:noFill/>
+            <a:headEnd/>
+            <a:tailEnd/>
+          </a:ln>
+        </p:spPr>
+      </p:pic>
+    </p:spTree>
+  </p:cSld>
+</p:sld>
+</file>
+
+<file path=ppt/slides/slide14.xml><?xml version="1.0" encoding="utf-8"?>
+<p:sld xmlns:a="http://schemas.openxmlformats.org/drawingml/2006/main" xmlns:r="http://schemas.openxmlformats.org/officeDocument/2006/relationships" xmlns:p="http://schemas.openxmlformats.org/presentationml/2006/main">
+  <p:cSld>
+    <p:spTree>
+      <p:nvGrpSpPr>
+        <p:cNvPr id="1" name=""/>
+        <p:cNvGrpSpPr/>
+        <p:nvPr/>
+      </p:nvGrpSpPr>
+      <p:grpSpPr>
+        <a:xfrm>
+          <a:off x="0" y="0"/>
+          <a:ext cx="0" cy="0"/>
+          <a:chOff x="0" y="0"/>
+          <a:chExt cx="0" cy="0"/>
+        </a:xfrm>
+      </p:grpSpPr>
+      <p:sp>
+        <p:nvSpPr>
+          <p:cNvPr id="2" name="Title 1"/>
+          <p:cNvSpPr>
+            <a:spLocks noGrp="1"/>
+          </p:cNvSpPr>
+          <p:nvPr>
+            <p:ph type="title"/>
+          </p:nvPr>
+        </p:nvSpPr>
+        <p:spPr/>
+        <p:txBody>
+          <a:bodyPr/>
+          <a:lstStyle/>
+          <a:p>
+            <a:pPr lvl="0" marL="0" indent="0">
+              <a:buNone/>
+            </a:pPr>
+            <a:r>
+              <a:rPr/>
+              <a:t>Appendix</a:t>
+            </a:r>
+          </a:p>
+        </p:txBody>
+      </p:sp>
+      <p:pic>
+        <p:nvPicPr>
+          <p:cNvPr descr="Presentation_files/figure-pptx/unnamed-chunk-5-1.png" id="0" name="Picture 1"/>
+          <p:cNvPicPr>
+            <a:picLocks noGrp="1" noChangeAspect="1"/>
+          </p:cNvPicPr>
+          <p:nvPr/>
+        </p:nvPicPr>
+        <p:blipFill>
+          <a:blip r:embed="rId2"/>
+          <a:stretch>
+            <a:fillRect/>
+          </a:stretch>
+        </p:blipFill>
+        <p:spPr bwMode="auto">
+          <a:xfrm>
+            <a:off x="1752600" y="1600200"/>
+            <a:ext cx="5651500" cy="4521200"/>
+          </a:xfrm>
+          <a:prstGeom prst="rect">
+            <a:avLst/>
+          </a:prstGeom>
+          <a:noFill/>
+          <a:ln w="9525">
+            <a:noFill/>
+            <a:headEnd/>
+            <a:tailEnd/>
+          </a:ln>
+        </p:spPr>
+      </p:pic>
+    </p:spTree>
+  </p:cSld>
+</p:sld>
+</file>
+
+<file path=ppt/slides/slide15.xml><?xml version="1.0" encoding="utf-8"?>
+<p:sld xmlns:a="http://schemas.openxmlformats.org/drawingml/2006/main" xmlns:r="http://schemas.openxmlformats.org/officeDocument/2006/relationships" xmlns:p="http://schemas.openxmlformats.org/presentationml/2006/main">
+  <p:cSld>
+    <p:spTree>
+      <p:nvGrpSpPr>
+        <p:cNvPr id="1" name=""/>
+        <p:cNvGrpSpPr/>
+        <p:nvPr/>
+      </p:nvGrpSpPr>
+      <p:grpSpPr>
+        <a:xfrm>
+          <a:off x="0" y="0"/>
+          <a:ext cx="0" cy="0"/>
+          <a:chOff x="0" y="0"/>
+          <a:chExt cx="0" cy="0"/>
+        </a:xfrm>
+      </p:grpSpPr>
+      <p:sp>
+        <p:nvSpPr>
+          <p:cNvPr id="2" name="Title 1"/>
+          <p:cNvSpPr>
+            <a:spLocks noGrp="1"/>
+          </p:cNvSpPr>
+          <p:nvPr>
+            <p:ph type="title"/>
+          </p:nvPr>
+        </p:nvSpPr>
+        <p:spPr/>
+        <p:txBody>
+          <a:bodyPr/>
+          <a:lstStyle/>
+          <a:p>
+            <a:pPr lvl="0" marL="0" indent="0">
+              <a:buNone/>
+            </a:pPr>
+            <a:r>
+              <a:rPr/>
+              <a:t>Appendix</a:t>
+            </a:r>
+          </a:p>
+        </p:txBody>
+      </p:sp>
+      <p:pic>
+        <p:nvPicPr>
+          <p:cNvPr descr="Presentation_files/figure-pptx/unnamed-chunk-6-1.png" id="0" name="Picture 1"/>
+          <p:cNvPicPr>
+            <a:picLocks noGrp="1" noChangeAspect="1"/>
+          </p:cNvPicPr>
+          <p:nvPr/>
+        </p:nvPicPr>
+        <p:blipFill>
+          <a:blip r:embed="rId2"/>
+          <a:stretch>
+            <a:fillRect/>
+          </a:stretch>
+        </p:blipFill>
+        <p:spPr bwMode="auto">
+          <a:xfrm>
+            <a:off x="1752600" y="1600200"/>
+            <a:ext cx="5651500" cy="4521200"/>
+          </a:xfrm>
+          <a:prstGeom prst="rect">
+            <a:avLst/>
+          </a:prstGeom>
+          <a:noFill/>
+          <a:ln w="9525">
+            <a:noFill/>
+            <a:headEnd/>
+            <a:tailEnd/>
+          </a:ln>
+        </p:spPr>
+      </p:pic>
+    </p:spTree>
+  </p:cSld>
+</p:sld>
+</file>
+
+<file path=ppt/slides/slide16.xml><?xml version="1.0" encoding="utf-8"?>
+<p:sld xmlns:a="http://schemas.openxmlformats.org/drawingml/2006/main" xmlns:r="http://schemas.openxmlformats.org/officeDocument/2006/relationships" xmlns:p="http://schemas.openxmlformats.org/presentationml/2006/main">
+  <p:cSld>
+    <p:spTree>
+      <p:nvGrpSpPr>
+        <p:cNvPr id="1" name=""/>
+        <p:cNvGrpSpPr/>
+        <p:nvPr/>
+      </p:nvGrpSpPr>
+      <p:grpSpPr>
+        <a:xfrm>
+          <a:off x="0" y="0"/>
+          <a:ext cx="0" cy="0"/>
+          <a:chOff x="0" y="0"/>
+          <a:chExt cx="0" cy="0"/>
+        </a:xfrm>
+      </p:grpSpPr>
+      <p:sp>
+        <p:nvSpPr>
+          <p:cNvPr id="2" name="Title 1"/>
+          <p:cNvSpPr>
+            <a:spLocks noGrp="1"/>
+          </p:cNvSpPr>
+          <p:nvPr>
+            <p:ph type="title"/>
+          </p:nvPr>
+        </p:nvSpPr>
+        <p:spPr/>
+        <p:txBody>
+          <a:bodyPr/>
+          <a:lstStyle/>
+          <a:p>
+            <a:pPr lvl="0" marL="0" indent="0">
+              <a:buNone/>
+            </a:pPr>
+            <a:r>
+              <a:rPr/>
+              <a:t>Appendix</a:t>
+            </a:r>
+          </a:p>
+        </p:txBody>
+      </p:sp>
+      <p:pic>
+        <p:nvPicPr>
+          <p:cNvPr descr="Presentation_files/figure-pptx/unnamed-chunk-7-1.png" id="0" name="Picture 1"/>
+          <p:cNvPicPr>
+            <a:picLocks noGrp="1" noChangeAspect="1"/>
+          </p:cNvPicPr>
+          <p:nvPr/>
+        </p:nvPicPr>
+        <p:blipFill>
+          <a:blip r:embed="rId2"/>
+          <a:stretch>
+            <a:fillRect/>
+          </a:stretch>
+        </p:blipFill>
+        <p:spPr bwMode="auto">
+          <a:xfrm>
+            <a:off x="1752600" y="1600200"/>
+            <a:ext cx="5651500" cy="4521200"/>
+          </a:xfrm>
+          <a:prstGeom prst="rect">
+            <a:avLst/>
+          </a:prstGeom>
+          <a:noFill/>
+          <a:ln w="9525">
+            <a:noFill/>
+            <a:headEnd/>
+            <a:tailEnd/>
+          </a:ln>
+        </p:spPr>
+      </p:pic>
+    </p:spTree>
+  </p:cSld>
+</p:sld>
+</file>
+
+<file path=ppt/slides/slide17.xml><?xml version="1.0" encoding="utf-8"?>
+<p:sld xmlns:a="http://schemas.openxmlformats.org/drawingml/2006/main" xmlns:r="http://schemas.openxmlformats.org/officeDocument/2006/relationships" xmlns:p="http://schemas.openxmlformats.org/presentationml/2006/main">
+  <p:cSld>
+    <p:spTree>
+      <p:nvGrpSpPr>
+        <p:cNvPr id="1" name=""/>
+        <p:cNvGrpSpPr/>
+        <p:nvPr/>
+      </p:nvGrpSpPr>
+      <p:grpSpPr>
+        <a:xfrm>
+          <a:off x="0" y="0"/>
+          <a:ext cx="0" cy="0"/>
+          <a:chOff x="0" y="0"/>
+          <a:chExt cx="0" cy="0"/>
+        </a:xfrm>
+      </p:grpSpPr>
+      <p:sp>
+        <p:nvSpPr>
+          <p:cNvPr id="2" name="Title 1"/>
+          <p:cNvSpPr>
+            <a:spLocks noGrp="1"/>
+          </p:cNvSpPr>
+          <p:nvPr>
+            <p:ph type="title"/>
+          </p:nvPr>
+        </p:nvSpPr>
+        <p:spPr/>
+        <p:txBody>
+          <a:bodyPr/>
+          <a:lstStyle/>
+          <a:p>
+            <a:pPr lvl="0" marL="0" indent="0">
+              <a:buNone/>
+            </a:pPr>
+            <a:r>
+              <a:rPr/>
+              <a:t>Appendix</a:t>
+            </a:r>
+          </a:p>
+        </p:txBody>
+      </p:sp>
+      <p:pic>
+        <p:nvPicPr>
+          <p:cNvPr descr="Presentation_files/figure-pptx/unnamed-chunk-8-1.png" id="0" name="Picture 1"/>
+          <p:cNvPicPr>
+            <a:picLocks noGrp="1" noChangeAspect="1"/>
+          </p:cNvPicPr>
+          <p:nvPr/>
+        </p:nvPicPr>
+        <p:blipFill>
+          <a:blip r:embed="rId2"/>
+          <a:stretch>
+            <a:fillRect/>
+          </a:stretch>
+        </p:blipFill>
+        <p:spPr bwMode="auto">
+          <a:xfrm>
+            <a:off x="1752600" y="1600200"/>
+            <a:ext cx="5651500" cy="4521200"/>
+          </a:xfrm>
+          <a:prstGeom prst="rect">
+            <a:avLst/>
+          </a:prstGeom>
+          <a:noFill/>
+          <a:ln w="9525">
+            <a:noFill/>
+            <a:headEnd/>
+            <a:tailEnd/>
+          </a:ln>
+        </p:spPr>
+      </p:pic>
+    </p:spTree>
+  </p:cSld>
+</p:sld>
+</file>
+
 <file path=ppt/slides/slide2.xml><?xml version="1.0" encoding="utf-8"?>
 <p:sld xmlns:a="http://schemas.openxmlformats.org/drawingml/2006/main" xmlns:r="http://schemas.openxmlformats.org/officeDocument/2006/relationships" xmlns:p="http://schemas.openxmlformats.org/presentationml/2006/main">
   <p:cSld>
@@ -3746,14 +4370,14 @@
             <a:pPr lvl="1"/>
             <a:r>
               <a:rPr/>
-              <a:t>Average Thrilll Level</a:t>
+              <a:t>Average Thrill Level</a:t>
             </a:r>
           </a:p>
           <a:p>
             <a:pPr lvl="1"/>
             <a:r>
               <a:rPr/>
-              <a:t>Average Senesory Level</a:t>
+              <a:t>Average Sensory Level</a:t>
             </a:r>
           </a:p>
         </p:txBody>
@@ -3876,7 +4500,7 @@
             <a:pPr lvl="2"/>
             <a:r>
               <a:rPr/>
-              <a:t>Stepwise regression</a:t>
+              <a:t>Step-wise regression</a:t>
             </a:r>
           </a:p>
           <a:p>
@@ -3890,7 +4514,7 @@
             <a:pPr lvl="1"/>
             <a:r>
               <a:rPr/>
-              <a:t>Best model from all-possible regression (and for next models too)</a:t>
+              <a:t>Best model from all-possible regression</a:t>
             </a:r>
           </a:p>
           <a:p>
